--- a/프로젝트 산출물/대성공_기획서.pptx
+++ b/프로젝트 산출물/대성공_기획서.pptx
@@ -104,6 +104,11 @@
       </a:defRPr>
     </a:lvl9pPr>
   </p:defaultTextStyle>
+  <p:extLst>
+    <p:ext uri="{EFAFB233-063F-42B5-8137-9DF3F51BA10A}">
+      <p15:sldGuideLst xmlns:p15="http://schemas.microsoft.com/office/powerpoint/2012/main"/>
+    </p:ext>
+  </p:extLst>
 </p:presentation>
 </file>
 
@@ -334,7 +339,7 @@
             <a:fld id="{B61BEF0D-F0BB-DE4B-95CE-6DB70DBA9567}" type="datetimeFigureOut">
               <a:rPr lang="en-US" smtClean="0"/>
               <a:pPr/>
-              <a:t>4/19/2024</a:t>
+              <a:t>4/22/2024</a:t>
             </a:fld>
             <a:endParaRPr lang="en-US" dirty="0"/>
           </a:p>
@@ -543,7 +548,7 @@
           <a:p>
             <a:fld id="{55C6B4A9-1611-4792-9094-5F34BCA07E0B}" type="datetimeFigureOut">
               <a:rPr lang="en-US" smtClean="0"/>
-              <a:t>4/19/2024</a:t>
+              <a:t>4/22/2024</a:t>
             </a:fld>
             <a:endParaRPr lang="en-US" dirty="0"/>
           </a:p>
@@ -800,7 +805,7 @@
             <a:fld id="{B61BEF0D-F0BB-DE4B-95CE-6DB70DBA9567}" type="datetimeFigureOut">
               <a:rPr lang="en-US" smtClean="0"/>
               <a:pPr/>
-              <a:t>4/19/2024</a:t>
+              <a:t>4/22/2024</a:t>
             </a:fld>
             <a:endParaRPr lang="en-US" dirty="0"/>
           </a:p>
@@ -977,7 +982,7 @@
             <a:fld id="{B61BEF0D-F0BB-DE4B-95CE-6DB70DBA9567}" type="datetimeFigureOut">
               <a:rPr lang="en-US" smtClean="0"/>
               <a:pPr/>
-              <a:t>4/19/2024</a:t>
+              <a:t>4/22/2024</a:t>
             </a:fld>
             <a:endParaRPr lang="en-US" dirty="0"/>
           </a:p>
@@ -1322,7 +1327,7 @@
             <a:fld id="{B61BEF0D-F0BB-DE4B-95CE-6DB70DBA9567}" type="datetimeFigureOut">
               <a:rPr lang="en-US" smtClean="0"/>
               <a:pPr/>
-              <a:t>4/19/2024</a:t>
+              <a:t>4/22/2024</a:t>
             </a:fld>
             <a:endParaRPr lang="en-US" dirty="0"/>
           </a:p>
@@ -1598,7 +1603,7 @@
           <a:p>
             <a:fld id="{EB712588-04B1-427B-82EE-E8DB90309F08}" type="datetimeFigureOut">
               <a:rPr lang="en-US" smtClean="0"/>
-              <a:t>4/19/2024</a:t>
+              <a:t>4/22/2024</a:t>
             </a:fld>
             <a:endParaRPr lang="en-US" dirty="0"/>
           </a:p>
@@ -1978,7 +1983,7 @@
             <a:fld id="{B61BEF0D-F0BB-DE4B-95CE-6DB70DBA9567}" type="datetimeFigureOut">
               <a:rPr lang="en-US" smtClean="0"/>
               <a:pPr/>
-              <a:t>4/19/2024</a:t>
+              <a:t>4/22/2024</a:t>
             </a:fld>
             <a:endParaRPr lang="en-US" dirty="0"/>
           </a:p>
@@ -2098,7 +2103,7 @@
             <a:fld id="{B61BEF0D-F0BB-DE4B-95CE-6DB70DBA9567}" type="datetimeFigureOut">
               <a:rPr lang="en-US" smtClean="0"/>
               <a:pPr/>
-              <a:t>4/19/2024</a:t>
+              <a:t>4/22/2024</a:t>
             </a:fld>
             <a:endParaRPr lang="en-US" dirty="0"/>
           </a:p>
@@ -2271,7 +2276,7 @@
             <a:fld id="{B61BEF0D-F0BB-DE4B-95CE-6DB70DBA9567}" type="datetimeFigureOut">
               <a:rPr lang="en-US" smtClean="0"/>
               <a:pPr/>
-              <a:t>4/19/2024</a:t>
+              <a:t>4/22/2024</a:t>
             </a:fld>
             <a:endParaRPr lang="en-US" dirty="0"/>
           </a:p>
@@ -2626,7 +2631,7 @@
           <a:p>
             <a:fld id="{42A54C80-263E-416B-A8E0-580EDEADCBDC}" type="datetimeFigureOut">
               <a:rPr lang="en-US" smtClean="0"/>
-              <a:t>4/19/2024</a:t>
+              <a:t>4/22/2024</a:t>
             </a:fld>
             <a:endParaRPr lang="en-US" dirty="0"/>
           </a:p>
@@ -3009,7 +3014,7 @@
             <a:fld id="{B61BEF0D-F0BB-DE4B-95CE-6DB70DBA9567}" type="datetimeFigureOut">
               <a:rPr lang="en-US" smtClean="0"/>
               <a:pPr/>
-              <a:t>4/19/2024</a:t>
+              <a:t>4/22/2024</a:t>
             </a:fld>
             <a:endParaRPr lang="en-US" dirty="0"/>
           </a:p>
@@ -3298,7 +3303,7 @@
             <a:fld id="{B61BEF0D-F0BB-DE4B-95CE-6DB70DBA9567}" type="datetimeFigureOut">
               <a:rPr lang="en-US" smtClean="0"/>
               <a:pPr/>
-              <a:t>4/19/2024</a:t>
+              <a:t>4/22/2024</a:t>
             </a:fld>
             <a:endParaRPr lang="en-US" dirty="0"/>
           </a:p>
@@ -3864,7 +3869,7 @@
             <p:ph idx="1"/>
             <p:extLst>
               <p:ext uri="{D42A27DB-BD31-4B8C-83A1-F6EECF244321}">
-                <p14:modId xmlns:p14="http://schemas.microsoft.com/office/powerpoint/2010/main" val="3453480097"/>
+                <p14:modId xmlns:p14="http://schemas.microsoft.com/office/powerpoint/2010/main" val="1796749527"/>
               </p:ext>
             </p:extLst>
           </p:nvPr>
@@ -4279,6 +4284,69 @@
                         </a:rPr>
                         <a:t>회원관리</a:t>
                       </a:r>
+                      <a:r>
+                        <a:rPr lang="en-US" altLang="ko-KR" sz="1600" baseline="0" dirty="0" smtClean="0">
+                          <a:latin typeface="맑은 고딕" panose="020B0503020000020004" pitchFamily="50" charset="-127"/>
+                          <a:ea typeface="맑은 고딕" panose="020B0503020000020004" pitchFamily="50" charset="-127"/>
+                        </a:rPr>
+                        <a:t>(</a:t>
+                      </a:r>
+                      <a:r>
+                        <a:rPr lang="ko-KR" altLang="en-US" sz="1600" baseline="0" dirty="0" smtClean="0">
+                          <a:latin typeface="맑은 고딕" panose="020B0503020000020004" pitchFamily="50" charset="-127"/>
+                          <a:ea typeface="맑은 고딕" panose="020B0503020000020004" pitchFamily="50" charset="-127"/>
+                        </a:rPr>
+                        <a:t>가입</a:t>
+                      </a:r>
+                      <a:r>
+                        <a:rPr lang="en-US" altLang="ko-KR" sz="1600" baseline="0" dirty="0" smtClean="0">
+                          <a:latin typeface="맑은 고딕" panose="020B0503020000020004" pitchFamily="50" charset="-127"/>
+                          <a:ea typeface="맑은 고딕" panose="020B0503020000020004" pitchFamily="50" charset="-127"/>
+                        </a:rPr>
+                        <a:t>, </a:t>
+                      </a:r>
+                      <a:r>
+                        <a:rPr lang="ko-KR" altLang="en-US" sz="1600" baseline="0" dirty="0" smtClean="0">
+                          <a:latin typeface="맑은 고딕" panose="020B0503020000020004" pitchFamily="50" charset="-127"/>
+                          <a:ea typeface="맑은 고딕" panose="020B0503020000020004" pitchFamily="50" charset="-127"/>
+                        </a:rPr>
+                        <a:t>로그인</a:t>
+                      </a:r>
+                      <a:r>
+                        <a:rPr lang="en-US" altLang="ko-KR" sz="1600" baseline="0" dirty="0" smtClean="0">
+                          <a:latin typeface="맑은 고딕" panose="020B0503020000020004" pitchFamily="50" charset="-127"/>
+                          <a:ea typeface="맑은 고딕" panose="020B0503020000020004" pitchFamily="50" charset="-127"/>
+                        </a:rPr>
+                        <a:t>, </a:t>
+                      </a:r>
+                      <a:r>
+                        <a:rPr lang="ko-KR" altLang="en-US" sz="1600" baseline="0" dirty="0" smtClean="0">
+                          <a:latin typeface="맑은 고딕" panose="020B0503020000020004" pitchFamily="50" charset="-127"/>
+                          <a:ea typeface="맑은 고딕" panose="020B0503020000020004" pitchFamily="50" charset="-127"/>
+                        </a:rPr>
+                        <a:t>로그아웃</a:t>
+                      </a:r>
+                      <a:r>
+                        <a:rPr lang="en-US" altLang="ko-KR" sz="1600" baseline="0" dirty="0" smtClean="0">
+                          <a:latin typeface="맑은 고딕" panose="020B0503020000020004" pitchFamily="50" charset="-127"/>
+                          <a:ea typeface="맑은 고딕" panose="020B0503020000020004" pitchFamily="50" charset="-127"/>
+                        </a:rPr>
+                        <a:t>, </a:t>
+                      </a:r>
+                      <a:r>
+                        <a:rPr lang="ko-KR" altLang="en-US" sz="1600" baseline="0" dirty="0" smtClean="0">
+                          <a:latin typeface="맑은 고딕" panose="020B0503020000020004" pitchFamily="50" charset="-127"/>
+                          <a:ea typeface="맑은 고딕" panose="020B0503020000020004" pitchFamily="50" charset="-127"/>
+                        </a:rPr>
+                        <a:t>프로필 관리</a:t>
+                      </a:r>
+                      <a:r>
+                        <a:rPr lang="en-US" altLang="ko-KR" sz="1600" baseline="0" dirty="0" smtClean="0">
+                          <a:latin typeface="맑은 고딕" panose="020B0503020000020004" pitchFamily="50" charset="-127"/>
+                          <a:ea typeface="맑은 고딕" panose="020B0503020000020004" pitchFamily="50" charset="-127"/>
+                        </a:rPr>
+                        <a:t>)</a:t>
+                      </a:r>
                       <a:endParaRPr lang="en-US" altLang="ko-KR" sz="1600" baseline="0" dirty="0" smtClean="0">
                         <a:latin typeface="맑은 고딕" panose="020B0503020000020004" pitchFamily="50" charset="-127"/>
                         <a:ea typeface="맑은 고딕" panose="020B0503020000020004" pitchFamily="50" charset="-127"/>
@@ -5122,6 +5190,13 @@
                     <a:lstStyle/>
                     <a:p>
                       <a:pPr algn="ctr" latinLnBrk="1"/>
+                      <a:r>
+                        <a:rPr lang="ko-KR" altLang="en-US" sz="2000" dirty="0" smtClean="0">
+                          <a:latin typeface="맑은 고딕" panose="020B0503020000020004" pitchFamily="50" charset="-127"/>
+                          <a:ea typeface="맑은 고딕" panose="020B0503020000020004" pitchFamily="50" charset="-127"/>
+                        </a:rPr>
+                        <a:t>기대효과</a:t>
+                      </a:r>
                       <a:endParaRPr lang="ko-KR" altLang="en-US" sz="2000" dirty="0">
                         <a:latin typeface="맑은 고딕" panose="020B0503020000020004" pitchFamily="50" charset="-127"/>
                         <a:ea typeface="맑은 고딕" panose="020B0503020000020004" pitchFamily="50" charset="-127"/>
@@ -5187,6 +5262,55 @@
                     <a:lstStyle/>
                     <a:p>
                       <a:pPr algn="l" latinLnBrk="1"/>
+                      <a:r>
+                        <a:rPr lang="en-US" altLang="ko-KR" sz="1600" baseline="0" dirty="0" smtClean="0">
+                          <a:latin typeface="맑은 고딕" panose="020B0503020000020004" pitchFamily="50" charset="-127"/>
+                          <a:ea typeface="맑은 고딕" panose="020B0503020000020004" pitchFamily="50" charset="-127"/>
+                        </a:rPr>
+                        <a:t>Front-End </a:t>
+                      </a:r>
+                      <a:r>
+                        <a:rPr lang="ko-KR" altLang="en-US" sz="1600" baseline="0" dirty="0" smtClean="0">
+                          <a:latin typeface="맑은 고딕" panose="020B0503020000020004" pitchFamily="50" charset="-127"/>
+                          <a:ea typeface="맑은 고딕" panose="020B0503020000020004" pitchFamily="50" charset="-127"/>
+                        </a:rPr>
+                        <a:t>와 </a:t>
+                      </a:r>
+                      <a:r>
+                        <a:rPr lang="en-US" altLang="ko-KR" sz="1600" baseline="0" dirty="0" smtClean="0">
+                          <a:latin typeface="맑은 고딕" panose="020B0503020000020004" pitchFamily="50" charset="-127"/>
+                          <a:ea typeface="맑은 고딕" panose="020B0503020000020004" pitchFamily="50" charset="-127"/>
+                        </a:rPr>
+                        <a:t>Back-End </a:t>
+                      </a:r>
+                      <a:r>
+                        <a:rPr lang="ko-KR" altLang="en-US" sz="1600" baseline="0" dirty="0" smtClean="0">
+                          <a:latin typeface="맑은 고딕" panose="020B0503020000020004" pitchFamily="50" charset="-127"/>
+                          <a:ea typeface="맑은 고딕" panose="020B0503020000020004" pitchFamily="50" charset="-127"/>
+                        </a:rPr>
+                        <a:t>를 이용하여 전체적인 프로세스를 수행하며</a:t>
+                      </a:r>
+                      <a:r>
+                        <a:rPr lang="en-US" altLang="ko-KR" sz="1600" baseline="0" dirty="0" smtClean="0">
+                          <a:latin typeface="맑은 고딕" panose="020B0503020000020004" pitchFamily="50" charset="-127"/>
+                          <a:ea typeface="맑은 고딕" panose="020B0503020000020004" pitchFamily="50" charset="-127"/>
+                        </a:rPr>
+                        <a:t>, </a:t>
+                      </a:r>
+                      <a:r>
+                        <a:rPr lang="ko-KR" altLang="en-US" sz="1600" baseline="0" dirty="0" smtClean="0">
+                          <a:latin typeface="맑은 고딕" panose="020B0503020000020004" pitchFamily="50" charset="-127"/>
+                          <a:ea typeface="맑은 고딕" panose="020B0503020000020004" pitchFamily="50" charset="-127"/>
+                        </a:rPr>
+                        <a:t>각 기술들을 활용할 수 있도록 한다</a:t>
+                      </a:r>
+                      <a:r>
+                        <a:rPr lang="en-US" altLang="ko-KR" sz="1600" baseline="0" dirty="0" smtClean="0">
+                          <a:latin typeface="맑은 고딕" panose="020B0503020000020004" pitchFamily="50" charset="-127"/>
+                          <a:ea typeface="맑은 고딕" panose="020B0503020000020004" pitchFamily="50" charset="-127"/>
+                        </a:rPr>
+                        <a:t>.</a:t>
+                      </a:r>
                       <a:endParaRPr lang="ko-KR" altLang="en-US" sz="1600" dirty="0">
                         <a:latin typeface="맑은 고딕" panose="020B0503020000020004" pitchFamily="50" charset="-127"/>
                         <a:ea typeface="맑은 고딕" panose="020B0503020000020004" pitchFamily="50" charset="-127"/>
